--- a/ch3/3장-회귀분석.pptx
+++ b/ch3/3장-회귀분석.pptx
@@ -276,7 +276,7 @@
           <a:p>
             <a:fld id="{4522EBFB-E492-C045-BD92-C41D4687FF40}" type="datetimeFigureOut">
               <a:rPr kumimoji="1" lang="ko-Kore-KR" altLang="en-US" smtClean="0"/>
-              <a:t>2022. 3. 9.</a:t>
+              <a:t>2022. 3. 10.</a:t>
             </a:fld>
             <a:endParaRPr kumimoji="1" lang="ko-Kore-KR" altLang="en-US"/>
           </a:p>
@@ -476,7 +476,7 @@
           <a:p>
             <a:fld id="{4522EBFB-E492-C045-BD92-C41D4687FF40}" type="datetimeFigureOut">
               <a:rPr kumimoji="1" lang="ko-Kore-KR" altLang="en-US" smtClean="0"/>
-              <a:t>2022. 3. 9.</a:t>
+              <a:t>2022. 3. 10.</a:t>
             </a:fld>
             <a:endParaRPr kumimoji="1" lang="ko-Kore-KR" altLang="en-US"/>
           </a:p>
@@ -686,7 +686,7 @@
           <a:p>
             <a:fld id="{4522EBFB-E492-C045-BD92-C41D4687FF40}" type="datetimeFigureOut">
               <a:rPr kumimoji="1" lang="ko-Kore-KR" altLang="en-US" smtClean="0"/>
-              <a:t>2022. 3. 9.</a:t>
+              <a:t>2022. 3. 10.</a:t>
             </a:fld>
             <a:endParaRPr kumimoji="1" lang="ko-Kore-KR" altLang="en-US"/>
           </a:p>
@@ -886,7 +886,7 @@
           <a:p>
             <a:fld id="{4522EBFB-E492-C045-BD92-C41D4687FF40}" type="datetimeFigureOut">
               <a:rPr kumimoji="1" lang="ko-Kore-KR" altLang="en-US" smtClean="0"/>
-              <a:t>2022. 3. 9.</a:t>
+              <a:t>2022. 3. 10.</a:t>
             </a:fld>
             <a:endParaRPr kumimoji="1" lang="ko-Kore-KR" altLang="en-US"/>
           </a:p>
@@ -1162,7 +1162,7 @@
           <a:p>
             <a:fld id="{4522EBFB-E492-C045-BD92-C41D4687FF40}" type="datetimeFigureOut">
               <a:rPr kumimoji="1" lang="ko-Kore-KR" altLang="en-US" smtClean="0"/>
-              <a:t>2022. 3. 9.</a:t>
+              <a:t>2022. 3. 10.</a:t>
             </a:fld>
             <a:endParaRPr kumimoji="1" lang="ko-Kore-KR" altLang="en-US"/>
           </a:p>
@@ -1430,7 +1430,7 @@
           <a:p>
             <a:fld id="{4522EBFB-E492-C045-BD92-C41D4687FF40}" type="datetimeFigureOut">
               <a:rPr kumimoji="1" lang="ko-Kore-KR" altLang="en-US" smtClean="0"/>
-              <a:t>2022. 3. 9.</a:t>
+              <a:t>2022. 3. 10.</a:t>
             </a:fld>
             <a:endParaRPr kumimoji="1" lang="ko-Kore-KR" altLang="en-US"/>
           </a:p>
@@ -1845,7 +1845,7 @@
           <a:p>
             <a:fld id="{4522EBFB-E492-C045-BD92-C41D4687FF40}" type="datetimeFigureOut">
               <a:rPr kumimoji="1" lang="ko-Kore-KR" altLang="en-US" smtClean="0"/>
-              <a:t>2022. 3. 9.</a:t>
+              <a:t>2022. 3. 10.</a:t>
             </a:fld>
             <a:endParaRPr kumimoji="1" lang="ko-Kore-KR" altLang="en-US"/>
           </a:p>
@@ -1987,7 +1987,7 @@
           <a:p>
             <a:fld id="{4522EBFB-E492-C045-BD92-C41D4687FF40}" type="datetimeFigureOut">
               <a:rPr kumimoji="1" lang="ko-Kore-KR" altLang="en-US" smtClean="0"/>
-              <a:t>2022. 3. 9.</a:t>
+              <a:t>2022. 3. 10.</a:t>
             </a:fld>
             <a:endParaRPr kumimoji="1" lang="ko-Kore-KR" altLang="en-US"/>
           </a:p>
@@ -2100,7 +2100,7 @@
           <a:p>
             <a:fld id="{4522EBFB-E492-C045-BD92-C41D4687FF40}" type="datetimeFigureOut">
               <a:rPr kumimoji="1" lang="ko-Kore-KR" altLang="en-US" smtClean="0"/>
-              <a:t>2022. 3. 9.</a:t>
+              <a:t>2022. 3. 10.</a:t>
             </a:fld>
             <a:endParaRPr kumimoji="1" lang="ko-Kore-KR" altLang="en-US"/>
           </a:p>
@@ -2413,7 +2413,7 @@
           <a:p>
             <a:fld id="{4522EBFB-E492-C045-BD92-C41D4687FF40}" type="datetimeFigureOut">
               <a:rPr kumimoji="1" lang="ko-Kore-KR" altLang="en-US" smtClean="0"/>
-              <a:t>2022. 3. 9.</a:t>
+              <a:t>2022. 3. 10.</a:t>
             </a:fld>
             <a:endParaRPr kumimoji="1" lang="ko-Kore-KR" altLang="en-US"/>
           </a:p>
@@ -2702,7 +2702,7 @@
           <a:p>
             <a:fld id="{4522EBFB-E492-C045-BD92-C41D4687FF40}" type="datetimeFigureOut">
               <a:rPr kumimoji="1" lang="ko-Kore-KR" altLang="en-US" smtClean="0"/>
-              <a:t>2022. 3. 9.</a:t>
+              <a:t>2022. 3. 10.</a:t>
             </a:fld>
             <a:endParaRPr kumimoji="1" lang="ko-Kore-KR" altLang="en-US"/>
           </a:p>
@@ -2945,7 +2945,7 @@
           <a:p>
             <a:fld id="{4522EBFB-E492-C045-BD92-C41D4687FF40}" type="datetimeFigureOut">
               <a:rPr kumimoji="1" lang="ko-Kore-KR" altLang="en-US" smtClean="0"/>
-              <a:t>2022. 3. 9.</a:t>
+              <a:t>2022. 3. 10.</a:t>
             </a:fld>
             <a:endParaRPr kumimoji="1" lang="ko-Kore-KR" altLang="en-US"/>
           </a:p>
